--- a/ppt/算法讲解110【扩展】线段树专题1-线段树原理和代码详解.pptx
+++ b/ppt/算法讲解110【扩展】线段树专题1-线段树原理和代码详解.pptx
@@ -4123,6 +4123,35 @@
                 <a:sym typeface="Monaco"/>
               </a:defRPr>
             </a:pPr>
+          </a:p>
+          <a:p>
+            <a:pPr algn="l" defTabSz="825500">
+              <a:defRPr sz="3600">
+                <a:solidFill>
+                  <a:srgbClr val="000000"/>
+                </a:solidFill>
+                <a:latin typeface="Monaco"/>
+                <a:ea typeface="Monaco"/>
+                <a:cs typeface="Monaco"/>
+                <a:sym typeface="Monaco"/>
+              </a:defRPr>
+            </a:pPr>
+            <a:r>
+              <a:t>线段树二分的内容，讲解146的题目2、讲解169的题目1，已经安排讲述</a:t>
+            </a:r>
+          </a:p>
+          <a:p>
+            <a:pPr algn="l" defTabSz="825500">
+              <a:defRPr sz="3600">
+                <a:solidFill>
+                  <a:srgbClr val="000000"/>
+                </a:solidFill>
+                <a:latin typeface="Monaco"/>
+                <a:ea typeface="Monaco"/>
+                <a:cs typeface="Monaco"/>
+                <a:sym typeface="Monaco"/>
+              </a:defRPr>
+            </a:pPr>
             <a:r>
               <a:t>线段树与动态规划结合的内容，后续【扩展】标签下的课程里继续安排</a:t>
             </a:r>
@@ -4141,35 +4170,6 @@
             </a:pPr>
             <a:r>
               <a:t>树套树、可持久化线段树、树链剖分等内容，后续【挺难】标签下的课程里会安排</a:t>
-            </a:r>
-          </a:p>
-          <a:p>
-            <a:pPr algn="l" defTabSz="825500">
-              <a:defRPr sz="3600">
-                <a:solidFill>
-                  <a:srgbClr val="000000"/>
-                </a:solidFill>
-                <a:latin typeface="Monaco"/>
-                <a:ea typeface="Monaco"/>
-                <a:cs typeface="Monaco"/>
-                <a:sym typeface="Monaco"/>
-              </a:defRPr>
-            </a:pPr>
-          </a:p>
-          <a:p>
-            <a:pPr algn="l" defTabSz="825500">
-              <a:defRPr sz="3600">
-                <a:solidFill>
-                  <a:srgbClr val="000000"/>
-                </a:solidFill>
-                <a:latin typeface="Monaco"/>
-                <a:ea typeface="Monaco"/>
-                <a:cs typeface="Monaco"/>
-                <a:sym typeface="Monaco"/>
-              </a:defRPr>
-            </a:pPr>
-            <a:r>
-              <a:t>这个系列一定是全网有关线段树最好的教学视频，觉得好帮忙推荐给身边的人！</a:t>
             </a:r>
           </a:p>
         </p:txBody>
